--- a/docs/발표자료/20191122 리뷰.pptx
+++ b/docs/발표자료/20191122 리뷰.pptx
@@ -11,9 +11,9 @@
     <p:sldId id="262" r:id="rId5"/>
     <p:sldId id="259" r:id="rId6"/>
     <p:sldId id="261" r:id="rId7"/>
-    <p:sldId id="265" r:id="rId8"/>
-    <p:sldId id="264" r:id="rId9"/>
-    <p:sldId id="260" r:id="rId10"/>
+    <p:sldId id="260" r:id="rId8"/>
+    <p:sldId id="265" r:id="rId9"/>
+    <p:sldId id="264" r:id="rId10"/>
     <p:sldId id="263" r:id="rId11"/>
   </p:sldIdLst>
   <p:sldSz cx="12192000" cy="6858000"/>
@@ -3676,23 +3676,8 @@
           <a:lstStyle/>
           <a:p>
             <a:r>
-              <a:rPr lang="ko-KR" altLang="en-US" sz="3200" dirty="0">
-                <a:latin typeface="휴먼옛체" panose="02030504000101010101" pitchFamily="18" charset="-127"/>
-                <a:ea typeface="휴먼옛체" panose="02030504000101010101" pitchFamily="18" charset="-127"/>
-              </a:rPr>
-              <a:t>시스템 아키텍처 </a:t>
-            </a:r>
-            <a:r>
-              <a:rPr lang="en-US" altLang="ko-KR" sz="3200" dirty="0">
-                <a:latin typeface="휴먼옛체" panose="02030504000101010101" pitchFamily="18" charset="-127"/>
-                <a:ea typeface="휴먼옛체" panose="02030504000101010101" pitchFamily="18" charset="-127"/>
-              </a:rPr>
-              <a:t>– </a:t>
-            </a:r>
-            <a:r>
-              <a:rPr lang="ko-KR" altLang="en-US" sz="3200" dirty="0">
-                <a:latin typeface="휴먼옛체" panose="02030504000101010101" pitchFamily="18" charset="-127"/>
-                <a:ea typeface="휴먼옛체" panose="02030504000101010101" pitchFamily="18" charset="-127"/>
+              <a:rPr lang="ko-KR" altLang="en-US" sz="4800" dirty="0">
+                <a:latin typeface="+mj-ea"/>
               </a:rPr>
               <a:t>사용 기술</a:t>
             </a:r>
@@ -5679,223 +5664,6 @@
               <a:rPr lang="ko-KR" altLang="en-US" sz="4800" dirty="0">
                 <a:latin typeface="+mj-ea"/>
               </a:rPr>
-              <a:t>시스템 아키텍처 </a:t>
-            </a:r>
-            <a:r>
-              <a:rPr lang="en-US" altLang="ko-KR" sz="4800" dirty="0">
-                <a:latin typeface="+mj-ea"/>
-              </a:rPr>
-              <a:t>– Use case</a:t>
-            </a:r>
-            <a:endParaRPr lang="ko-KR" altLang="en-US" sz="4800" dirty="0">
-              <a:latin typeface="+mj-ea"/>
-            </a:endParaRPr>
-          </a:p>
-        </p:txBody>
-      </p:sp>
-      <p:pic>
-        <p:nvPicPr>
-          <p:cNvPr id="8" name="그림 7" descr="텍스트, 지도이(가) 표시된 사진&#10;&#10;자동 생성된 설명">
-            <a:extLst>
-              <a:ext uri="{FF2B5EF4-FFF2-40B4-BE49-F238E27FC236}">
-                <a16:creationId xmlns:a16="http://schemas.microsoft.com/office/drawing/2014/main" id="{FEC9E356-A761-49D0-A125-9835BF5D06C1}"/>
-              </a:ext>
-            </a:extLst>
-          </p:cNvPr>
-          <p:cNvPicPr>
-            <a:picLocks noChangeAspect="1"/>
-          </p:cNvPicPr>
-          <p:nvPr/>
-        </p:nvPicPr>
-        <p:blipFill>
-          <a:blip r:embed="rId2">
-            <a:extLst>
-              <a:ext uri="{28A0092B-C50C-407E-A947-70E740481C1C}">
-                <a14:useLocalDpi xmlns:a14="http://schemas.microsoft.com/office/drawing/2010/main" val="0"/>
-              </a:ext>
-            </a:extLst>
-          </a:blip>
-          <a:stretch>
-            <a:fillRect/>
-          </a:stretch>
-        </p:blipFill>
-        <p:spPr>
-          <a:xfrm>
-            <a:off x="838200" y="1528763"/>
-            <a:ext cx="4810125" cy="4452775"/>
-          </a:xfrm>
-          <a:prstGeom prst="rect">
-            <a:avLst/>
-          </a:prstGeom>
-        </p:spPr>
-      </p:pic>
-    </p:spTree>
-    <p:extLst>
-      <p:ext uri="{BB962C8B-B14F-4D97-AF65-F5344CB8AC3E}">
-        <p14:creationId xmlns:p14="http://schemas.microsoft.com/office/powerpoint/2010/main" val="4183630926"/>
-      </p:ext>
-    </p:extLst>
-  </p:cSld>
-  <p:clrMapOvr>
-    <a:masterClrMapping/>
-  </p:clrMapOvr>
-</p:sld>
-</file>
-
-<file path=ppt/slides/slide8.xml><?xml version="1.0" encoding="utf-8"?>
-<p:sld xmlns:a="http://schemas.openxmlformats.org/drawingml/2006/main" xmlns:r="http://schemas.openxmlformats.org/officeDocument/2006/relationships" xmlns:p="http://schemas.openxmlformats.org/presentationml/2006/main">
-  <p:cSld>
-    <p:spTree>
-      <p:nvGrpSpPr>
-        <p:cNvPr id="1" name=""/>
-        <p:cNvGrpSpPr/>
-        <p:nvPr/>
-      </p:nvGrpSpPr>
-      <p:grpSpPr>
-        <a:xfrm>
-          <a:off x="0" y="0"/>
-          <a:ext cx="0" cy="0"/>
-          <a:chOff x="0" y="0"/>
-          <a:chExt cx="0" cy="0"/>
-        </a:xfrm>
-      </p:grpSpPr>
-      <p:sp>
-        <p:nvSpPr>
-          <p:cNvPr id="2" name="제목 1">
-            <a:extLst>
-              <a:ext uri="{FF2B5EF4-FFF2-40B4-BE49-F238E27FC236}">
-                <a16:creationId xmlns:a16="http://schemas.microsoft.com/office/drawing/2014/main" id="{8ACCC155-FA2F-4B90-9EFB-37123EB20225}"/>
-              </a:ext>
-            </a:extLst>
-          </p:cNvPr>
-          <p:cNvSpPr>
-            <a:spLocks noGrp="1"/>
-          </p:cNvSpPr>
-          <p:nvPr>
-            <p:ph type="title"/>
-          </p:nvPr>
-        </p:nvSpPr>
-        <p:spPr/>
-        <p:txBody>
-          <a:bodyPr>
-            <a:normAutofit/>
-          </a:bodyPr>
-          <a:lstStyle/>
-          <a:p>
-            <a:r>
-              <a:rPr lang="ko-KR" altLang="en-US" sz="3200" dirty="0">
-                <a:latin typeface="휴먼옛체" panose="02030504000101010101" pitchFamily="18" charset="-127"/>
-                <a:ea typeface="휴먼옛체" panose="02030504000101010101" pitchFamily="18" charset="-127"/>
-              </a:rPr>
-              <a:t>시스템 아키텍처 </a:t>
-            </a:r>
-            <a:r>
-              <a:rPr lang="en-US" altLang="ko-KR" sz="3200" dirty="0">
-                <a:latin typeface="휴먼옛체" panose="02030504000101010101" pitchFamily="18" charset="-127"/>
-                <a:ea typeface="휴먼옛체" panose="02030504000101010101" pitchFamily="18" charset="-127"/>
-              </a:rPr>
-              <a:t>– Database Modeling</a:t>
-            </a:r>
-            <a:endParaRPr lang="ko-KR" altLang="en-US" sz="3200" dirty="0">
-              <a:latin typeface="휴먼옛체" panose="02030504000101010101" pitchFamily="18" charset="-127"/>
-              <a:ea typeface="휴먼옛체" panose="02030504000101010101" pitchFamily="18" charset="-127"/>
-            </a:endParaRPr>
-          </a:p>
-        </p:txBody>
-      </p:sp>
-      <p:pic>
-        <p:nvPicPr>
-          <p:cNvPr id="4" name="그림 3" descr="스크린샷이(가) 표시된 사진&#10;&#10;자동 생성된 설명">
-            <a:extLst>
-              <a:ext uri="{FF2B5EF4-FFF2-40B4-BE49-F238E27FC236}">
-                <a16:creationId xmlns:a16="http://schemas.microsoft.com/office/drawing/2014/main" id="{D0B7D91E-979F-46FB-903F-8BB2431D94CF}"/>
-              </a:ext>
-            </a:extLst>
-          </p:cNvPr>
-          <p:cNvPicPr>
-            <a:picLocks noChangeAspect="1"/>
-          </p:cNvPicPr>
-          <p:nvPr/>
-        </p:nvPicPr>
-        <p:blipFill>
-          <a:blip r:embed="rId2">
-            <a:extLst>
-              <a:ext uri="{28A0092B-C50C-407E-A947-70E740481C1C}">
-                <a14:useLocalDpi xmlns:a14="http://schemas.microsoft.com/office/drawing/2010/main" val="0"/>
-              </a:ext>
-            </a:extLst>
-          </a:blip>
-          <a:stretch>
-            <a:fillRect/>
-          </a:stretch>
-        </p:blipFill>
-        <p:spPr>
-          <a:xfrm>
-            <a:off x="838200" y="1469392"/>
-            <a:ext cx="10248900" cy="5023483"/>
-          </a:xfrm>
-          <a:prstGeom prst="rect">
-            <a:avLst/>
-          </a:prstGeom>
-        </p:spPr>
-      </p:pic>
-    </p:spTree>
-    <p:extLst>
-      <p:ext uri="{BB962C8B-B14F-4D97-AF65-F5344CB8AC3E}">
-        <p14:creationId xmlns:p14="http://schemas.microsoft.com/office/powerpoint/2010/main" val="3198200705"/>
-      </p:ext>
-    </p:extLst>
-  </p:cSld>
-  <p:clrMapOvr>
-    <a:masterClrMapping/>
-  </p:clrMapOvr>
-</p:sld>
-</file>
-
-<file path=ppt/slides/slide9.xml><?xml version="1.0" encoding="utf-8"?>
-<p:sld xmlns:a="http://schemas.openxmlformats.org/drawingml/2006/main" xmlns:r="http://schemas.openxmlformats.org/officeDocument/2006/relationships" xmlns:p="http://schemas.openxmlformats.org/presentationml/2006/main">
-  <p:cSld>
-    <p:spTree>
-      <p:nvGrpSpPr>
-        <p:cNvPr id="1" name=""/>
-        <p:cNvGrpSpPr/>
-        <p:nvPr/>
-      </p:nvGrpSpPr>
-      <p:grpSpPr>
-        <a:xfrm>
-          <a:off x="0" y="0"/>
-          <a:ext cx="0" cy="0"/>
-          <a:chOff x="0" y="0"/>
-          <a:chExt cx="0" cy="0"/>
-        </a:xfrm>
-      </p:grpSpPr>
-      <p:sp>
-        <p:nvSpPr>
-          <p:cNvPr id="2" name="제목 1">
-            <a:extLst>
-              <a:ext uri="{FF2B5EF4-FFF2-40B4-BE49-F238E27FC236}">
-                <a16:creationId xmlns:a16="http://schemas.microsoft.com/office/drawing/2014/main" id="{8ACCC155-FA2F-4B90-9EFB-37123EB20225}"/>
-              </a:ext>
-            </a:extLst>
-          </p:cNvPr>
-          <p:cNvSpPr>
-            <a:spLocks noGrp="1"/>
-          </p:cNvSpPr>
-          <p:nvPr>
-            <p:ph type="title"/>
-          </p:nvPr>
-        </p:nvSpPr>
-        <p:spPr/>
-        <p:txBody>
-          <a:bodyPr>
-            <a:normAutofit/>
-          </a:bodyPr>
-          <a:lstStyle/>
-          <a:p>
-            <a:r>
-              <a:rPr lang="ko-KR" altLang="en-US" sz="4800" dirty="0">
-                <a:latin typeface="+mj-ea"/>
-              </a:rPr>
               <a:t>시스템 아키텍처</a:t>
             </a:r>
           </a:p>
@@ -6553,6 +6321,208 @@
     <p:extLst>
       <p:ext uri="{BB962C8B-B14F-4D97-AF65-F5344CB8AC3E}">
         <p14:creationId xmlns:p14="http://schemas.microsoft.com/office/powerpoint/2010/main" val="359014359"/>
+      </p:ext>
+    </p:extLst>
+  </p:cSld>
+  <p:clrMapOvr>
+    <a:masterClrMapping/>
+  </p:clrMapOvr>
+</p:sld>
+</file>
+
+<file path=ppt/slides/slide8.xml><?xml version="1.0" encoding="utf-8"?>
+<p:sld xmlns:a="http://schemas.openxmlformats.org/drawingml/2006/main" xmlns:r="http://schemas.openxmlformats.org/officeDocument/2006/relationships" xmlns:p="http://schemas.openxmlformats.org/presentationml/2006/main">
+  <p:cSld>
+    <p:spTree>
+      <p:nvGrpSpPr>
+        <p:cNvPr id="1" name=""/>
+        <p:cNvGrpSpPr/>
+        <p:nvPr/>
+      </p:nvGrpSpPr>
+      <p:grpSpPr>
+        <a:xfrm>
+          <a:off x="0" y="0"/>
+          <a:ext cx="0" cy="0"/>
+          <a:chOff x="0" y="0"/>
+          <a:chExt cx="0" cy="0"/>
+        </a:xfrm>
+      </p:grpSpPr>
+      <p:sp>
+        <p:nvSpPr>
+          <p:cNvPr id="2" name="제목 1">
+            <a:extLst>
+              <a:ext uri="{FF2B5EF4-FFF2-40B4-BE49-F238E27FC236}">
+                <a16:creationId xmlns:a16="http://schemas.microsoft.com/office/drawing/2014/main" id="{8ACCC155-FA2F-4B90-9EFB-37123EB20225}"/>
+              </a:ext>
+            </a:extLst>
+          </p:cNvPr>
+          <p:cNvSpPr>
+            <a:spLocks noGrp="1"/>
+          </p:cNvSpPr>
+          <p:nvPr>
+            <p:ph type="title"/>
+          </p:nvPr>
+        </p:nvSpPr>
+        <p:spPr/>
+        <p:txBody>
+          <a:bodyPr>
+            <a:normAutofit/>
+          </a:bodyPr>
+          <a:lstStyle/>
+          <a:p>
+            <a:r>
+              <a:rPr lang="en-US" altLang="ko-KR" sz="4800" dirty="0">
+                <a:latin typeface="+mj-ea"/>
+              </a:rPr>
+              <a:t>Use case</a:t>
+            </a:r>
+            <a:endParaRPr lang="ko-KR" altLang="en-US" sz="4800" dirty="0">
+              <a:latin typeface="+mj-ea"/>
+            </a:endParaRPr>
+          </a:p>
+        </p:txBody>
+      </p:sp>
+      <p:pic>
+        <p:nvPicPr>
+          <p:cNvPr id="8" name="그림 7" descr="텍스트, 지도이(가) 표시된 사진&#10;&#10;자동 생성된 설명">
+            <a:extLst>
+              <a:ext uri="{FF2B5EF4-FFF2-40B4-BE49-F238E27FC236}">
+                <a16:creationId xmlns:a16="http://schemas.microsoft.com/office/drawing/2014/main" id="{FEC9E356-A761-49D0-A125-9835BF5D06C1}"/>
+              </a:ext>
+            </a:extLst>
+          </p:cNvPr>
+          <p:cNvPicPr>
+            <a:picLocks noChangeAspect="1"/>
+          </p:cNvPicPr>
+          <p:nvPr/>
+        </p:nvPicPr>
+        <p:blipFill>
+          <a:blip r:embed="rId2">
+            <a:extLst>
+              <a:ext uri="{28A0092B-C50C-407E-A947-70E740481C1C}">
+                <a14:useLocalDpi xmlns:a14="http://schemas.microsoft.com/office/drawing/2010/main" val="0"/>
+              </a:ext>
+            </a:extLst>
+          </a:blip>
+          <a:stretch>
+            <a:fillRect/>
+          </a:stretch>
+        </p:blipFill>
+        <p:spPr>
+          <a:xfrm>
+            <a:off x="838200" y="1528763"/>
+            <a:ext cx="4810125" cy="4452775"/>
+          </a:xfrm>
+          <a:prstGeom prst="rect">
+            <a:avLst/>
+          </a:prstGeom>
+        </p:spPr>
+      </p:pic>
+    </p:spTree>
+    <p:extLst>
+      <p:ext uri="{BB962C8B-B14F-4D97-AF65-F5344CB8AC3E}">
+        <p14:creationId xmlns:p14="http://schemas.microsoft.com/office/powerpoint/2010/main" val="4183630926"/>
+      </p:ext>
+    </p:extLst>
+  </p:cSld>
+  <p:clrMapOvr>
+    <a:masterClrMapping/>
+  </p:clrMapOvr>
+</p:sld>
+</file>
+
+<file path=ppt/slides/slide9.xml><?xml version="1.0" encoding="utf-8"?>
+<p:sld xmlns:a="http://schemas.openxmlformats.org/drawingml/2006/main" xmlns:r="http://schemas.openxmlformats.org/officeDocument/2006/relationships" xmlns:p="http://schemas.openxmlformats.org/presentationml/2006/main">
+  <p:cSld>
+    <p:spTree>
+      <p:nvGrpSpPr>
+        <p:cNvPr id="1" name=""/>
+        <p:cNvGrpSpPr/>
+        <p:nvPr/>
+      </p:nvGrpSpPr>
+      <p:grpSpPr>
+        <a:xfrm>
+          <a:off x="0" y="0"/>
+          <a:ext cx="0" cy="0"/>
+          <a:chOff x="0" y="0"/>
+          <a:chExt cx="0" cy="0"/>
+        </a:xfrm>
+      </p:grpSpPr>
+      <p:sp>
+        <p:nvSpPr>
+          <p:cNvPr id="2" name="제목 1">
+            <a:extLst>
+              <a:ext uri="{FF2B5EF4-FFF2-40B4-BE49-F238E27FC236}">
+                <a16:creationId xmlns:a16="http://schemas.microsoft.com/office/drawing/2014/main" id="{8ACCC155-FA2F-4B90-9EFB-37123EB20225}"/>
+              </a:ext>
+            </a:extLst>
+          </p:cNvPr>
+          <p:cNvSpPr>
+            <a:spLocks noGrp="1"/>
+          </p:cNvSpPr>
+          <p:nvPr>
+            <p:ph type="title"/>
+          </p:nvPr>
+        </p:nvSpPr>
+        <p:spPr/>
+        <p:txBody>
+          <a:bodyPr>
+            <a:noAutofit/>
+          </a:bodyPr>
+          <a:lstStyle/>
+          <a:p>
+            <a:r>
+              <a:rPr lang="en-US" altLang="ko-KR" sz="4800" dirty="0">
+                <a:latin typeface="+mj-ea"/>
+              </a:rPr>
+              <a:t>Database Modeling</a:t>
+            </a:r>
+            <a:endParaRPr lang="ko-KR" altLang="en-US" sz="4800" dirty="0">
+              <a:latin typeface="+mj-ea"/>
+            </a:endParaRPr>
+          </a:p>
+        </p:txBody>
+      </p:sp>
+      <p:pic>
+        <p:nvPicPr>
+          <p:cNvPr id="4" name="그림 3" descr="스크린샷이(가) 표시된 사진&#10;&#10;자동 생성된 설명">
+            <a:extLst>
+              <a:ext uri="{FF2B5EF4-FFF2-40B4-BE49-F238E27FC236}">
+                <a16:creationId xmlns:a16="http://schemas.microsoft.com/office/drawing/2014/main" id="{D0B7D91E-979F-46FB-903F-8BB2431D94CF}"/>
+              </a:ext>
+            </a:extLst>
+          </p:cNvPr>
+          <p:cNvPicPr>
+            <a:picLocks noChangeAspect="1"/>
+          </p:cNvPicPr>
+          <p:nvPr/>
+        </p:nvPicPr>
+        <p:blipFill>
+          <a:blip r:embed="rId2">
+            <a:extLst>
+              <a:ext uri="{28A0092B-C50C-407E-A947-70E740481C1C}">
+                <a14:useLocalDpi xmlns:a14="http://schemas.microsoft.com/office/drawing/2010/main" val="0"/>
+              </a:ext>
+            </a:extLst>
+          </a:blip>
+          <a:stretch>
+            <a:fillRect/>
+          </a:stretch>
+        </p:blipFill>
+        <p:spPr>
+          <a:xfrm>
+            <a:off x="838200" y="1469392"/>
+            <a:ext cx="10248900" cy="5023483"/>
+          </a:xfrm>
+          <a:prstGeom prst="rect">
+            <a:avLst/>
+          </a:prstGeom>
+        </p:spPr>
+      </p:pic>
+    </p:spTree>
+    <p:extLst>
+      <p:ext uri="{BB962C8B-B14F-4D97-AF65-F5344CB8AC3E}">
+        <p14:creationId xmlns:p14="http://schemas.microsoft.com/office/powerpoint/2010/main" val="3198200705"/>
       </p:ext>
     </p:extLst>
   </p:cSld>

--- a/docs/발표자료/20191122 리뷰.pptx
+++ b/docs/발표자료/20191122 리뷰.pptx
@@ -4014,7 +4014,15 @@
             </a:r>
             <a:r>
               <a:rPr lang="ko-KR" altLang="en-US" dirty="0"/>
-              <a:t>고령화로 자녀 대신 반려동물을 키우는 소비자의 증가</a:t>
+              <a:t>고령화로 자녀 </a:t>
+            </a:r>
+            <a:r>
+              <a:rPr lang="ko-KR" altLang="en-US"/>
+              <a:t>대신 반려동물을 </a:t>
+            </a:r>
+            <a:r>
+              <a:rPr lang="ko-KR" altLang="en-US" dirty="0"/>
+              <a:t>키우는 소비자의 증가</a:t>
             </a:r>
             <a:endParaRPr lang="en-US" altLang="ko-KR" dirty="0"/>
           </a:p>
